--- a/File Downloader.pptx
+++ b/File Downloader.pptx
@@ -9477,7 +9477,7 @@
           <a:p>
             <a:fld id="{536295AB-763C-444E-97C3-F5F912E2BD8A}" type="datetimeFigureOut">
               <a:rPr lang="en-US" smtClean="0"/>
-              <a:t>12/12/2024</a:t>
+              <a:t>12/13/2024</a:t>
             </a:fld>
             <a:endParaRPr lang="en-US"/>
           </a:p>
@@ -9684,7 +9684,7 @@
           <a:p>
             <a:fld id="{536295AB-763C-444E-97C3-F5F912E2BD8A}" type="datetimeFigureOut">
               <a:rPr lang="en-US" smtClean="0"/>
-              <a:t>12/12/2024</a:t>
+              <a:t>12/13/2024</a:t>
             </a:fld>
             <a:endParaRPr lang="en-US"/>
           </a:p>
@@ -9864,7 +9864,7 @@
           <a:p>
             <a:fld id="{536295AB-763C-444E-97C3-F5F912E2BD8A}" type="datetimeFigureOut">
               <a:rPr lang="en-US" smtClean="0"/>
-              <a:t>12/12/2024</a:t>
+              <a:t>12/13/2024</a:t>
             </a:fld>
             <a:endParaRPr lang="en-US"/>
           </a:p>
@@ -10069,7 +10069,7 @@
           <a:p>
             <a:fld id="{536295AB-763C-444E-97C3-F5F912E2BD8A}" type="datetimeFigureOut">
               <a:rPr lang="en-US" smtClean="0"/>
-              <a:t>12/12/2024</a:t>
+              <a:t>12/13/2024</a:t>
             </a:fld>
             <a:endParaRPr lang="en-US"/>
           </a:p>
@@ -18967,7 +18967,7 @@
           <a:p>
             <a:fld id="{536295AB-763C-444E-97C3-F5F912E2BD8A}" type="datetimeFigureOut">
               <a:rPr lang="en-US" smtClean="0"/>
-              <a:t>12/12/2024</a:t>
+              <a:t>12/13/2024</a:t>
             </a:fld>
             <a:endParaRPr lang="en-US"/>
           </a:p>
@@ -19241,7 +19241,7 @@
           <a:p>
             <a:fld id="{536295AB-763C-444E-97C3-F5F912E2BD8A}" type="datetimeFigureOut">
               <a:rPr lang="en-US" smtClean="0"/>
-              <a:t>12/12/2024</a:t>
+              <a:t>12/13/2024</a:t>
             </a:fld>
             <a:endParaRPr lang="en-US"/>
           </a:p>
@@ -19639,7 +19639,7 @@
           <a:p>
             <a:fld id="{536295AB-763C-444E-97C3-F5F912E2BD8A}" type="datetimeFigureOut">
               <a:rPr lang="en-US" smtClean="0"/>
-              <a:t>12/12/2024</a:t>
+              <a:t>12/13/2024</a:t>
             </a:fld>
             <a:endParaRPr lang="en-US"/>
           </a:p>
@@ -19757,7 +19757,7 @@
           <a:p>
             <a:fld id="{536295AB-763C-444E-97C3-F5F912E2BD8A}" type="datetimeFigureOut">
               <a:rPr lang="en-US" smtClean="0"/>
-              <a:t>12/12/2024</a:t>
+              <a:t>12/13/2024</a:t>
             </a:fld>
             <a:endParaRPr lang="en-US"/>
           </a:p>
@@ -19852,7 +19852,7 @@
           <a:p>
             <a:fld id="{536295AB-763C-444E-97C3-F5F912E2BD8A}" type="datetimeFigureOut">
               <a:rPr lang="en-US" smtClean="0"/>
-              <a:t>12/12/2024</a:t>
+              <a:t>12/13/2024</a:t>
             </a:fld>
             <a:endParaRPr lang="en-US"/>
           </a:p>
@@ -20142,7 +20142,7 @@
           <a:p>
             <a:fld id="{536295AB-763C-444E-97C3-F5F912E2BD8A}" type="datetimeFigureOut">
               <a:rPr lang="en-US" smtClean="0"/>
-              <a:t>12/12/2024</a:t>
+              <a:t>12/13/2024</a:t>
             </a:fld>
             <a:endParaRPr lang="en-US"/>
           </a:p>
@@ -20422,7 +20422,7 @@
           <a:p>
             <a:fld id="{536295AB-763C-444E-97C3-F5F912E2BD8A}" type="datetimeFigureOut">
               <a:rPr lang="en-US" smtClean="0"/>
-              <a:t>12/12/2024</a:t>
+              <a:t>12/13/2024</a:t>
             </a:fld>
             <a:endParaRPr lang="en-US"/>
           </a:p>
@@ -20672,7 +20672,7 @@
           <a:p>
             <a:fld id="{536295AB-763C-444E-97C3-F5F912E2BD8A}" type="datetimeFigureOut">
               <a:rPr lang="en-US" smtClean="0"/>
-              <a:t>12/12/2024</a:t>
+              <a:t>12/13/2024</a:t>
             </a:fld>
             <a:endParaRPr lang="en-US"/>
           </a:p>
@@ -24800,8 +24800,8 @@
           </a:prstGeom>
         </p:spPr>
       </p:pic>
-      <mc:AlternateContent xmlns:mc="http://schemas.openxmlformats.org/markup-compatibility/2006">
-        <mc:Choice xmlns:p14="http://schemas.microsoft.com/office/powerpoint/2010/main" Requires="p14">
+      <mc:AlternateContent xmlns:mc="http://schemas.openxmlformats.org/markup-compatibility/2006" xmlns:p14="http://schemas.microsoft.com/office/powerpoint/2010/main">
+        <mc:Choice Requires="p14">
           <p:contentPart p14:bwMode="auto" r:id="rId3">
             <p14:nvContentPartPr>
               <p14:cNvPr id="8" name="Ink 7">
@@ -24820,7 +24820,7 @@
             </p14:xfrm>
           </p:contentPart>
         </mc:Choice>
-        <mc:Fallback>
+        <mc:Fallback xmlns="">
           <p:pic>
             <p:nvPicPr>
               <p:cNvPr id="8" name="Ink 7">
@@ -24851,8 +24851,8 @@
           </p:pic>
         </mc:Fallback>
       </mc:AlternateContent>
-      <mc:AlternateContent xmlns:mc="http://schemas.openxmlformats.org/markup-compatibility/2006">
-        <mc:Choice xmlns:p14="http://schemas.microsoft.com/office/powerpoint/2010/main" Requires="p14">
+      <mc:AlternateContent xmlns:mc="http://schemas.openxmlformats.org/markup-compatibility/2006" xmlns:p14="http://schemas.microsoft.com/office/powerpoint/2010/main">
+        <mc:Choice Requires="p14">
           <p:contentPart p14:bwMode="auto" r:id="rId5">
             <p14:nvContentPartPr>
               <p14:cNvPr id="10" name="Ink 9">
@@ -24871,7 +24871,7 @@
             </p14:xfrm>
           </p:contentPart>
         </mc:Choice>
-        <mc:Fallback>
+        <mc:Fallback xmlns="">
           <p:pic>
             <p:nvPicPr>
               <p:cNvPr id="10" name="Ink 9">
@@ -24902,8 +24902,8 @@
           </p:pic>
         </mc:Fallback>
       </mc:AlternateContent>
-      <mc:AlternateContent xmlns:mc="http://schemas.openxmlformats.org/markup-compatibility/2006">
-        <mc:Choice xmlns:p14="http://schemas.microsoft.com/office/powerpoint/2010/main" Requires="p14">
+      <mc:AlternateContent xmlns:mc="http://schemas.openxmlformats.org/markup-compatibility/2006" xmlns:p14="http://schemas.microsoft.com/office/powerpoint/2010/main">
+        <mc:Choice Requires="p14">
           <p:contentPart p14:bwMode="auto" r:id="rId7">
             <p14:nvContentPartPr>
               <p14:cNvPr id="11" name="Ink 10">
@@ -24922,7 +24922,7 @@
             </p14:xfrm>
           </p:contentPart>
         </mc:Choice>
-        <mc:Fallback>
+        <mc:Fallback xmlns="">
           <p:pic>
             <p:nvPicPr>
               <p:cNvPr id="11" name="Ink 10">
@@ -24953,8 +24953,8 @@
           </p:pic>
         </mc:Fallback>
       </mc:AlternateContent>
-      <mc:AlternateContent xmlns:mc="http://schemas.openxmlformats.org/markup-compatibility/2006">
-        <mc:Choice xmlns:p14="http://schemas.microsoft.com/office/powerpoint/2010/main" Requires="p14">
+      <mc:AlternateContent xmlns:mc="http://schemas.openxmlformats.org/markup-compatibility/2006" xmlns:p14="http://schemas.microsoft.com/office/powerpoint/2010/main">
+        <mc:Choice Requires="p14">
           <p:contentPart p14:bwMode="auto" r:id="rId9">
             <p14:nvContentPartPr>
               <p14:cNvPr id="12" name="Ink 11">
@@ -24973,7 +24973,7 @@
             </p14:xfrm>
           </p:contentPart>
         </mc:Choice>
-        <mc:Fallback>
+        <mc:Fallback xmlns="">
           <p:pic>
             <p:nvPicPr>
               <p:cNvPr id="12" name="Ink 11">
@@ -25554,8 +25554,8 @@
         </p:nvSpPr>
         <p:spPr>
           <a:xfrm>
-            <a:off x="1024128" y="2537177"/>
-            <a:ext cx="2908775" cy="2820569"/>
+            <a:off x="6955783" y="585216"/>
+            <a:ext cx="4842927" cy="1499616"/>
           </a:xfrm>
           <a:prstGeom prst="rect">
             <a:avLst/>
@@ -25785,16 +25785,24 @@
             </a:lvl9pPr>
           </a:lstStyle>
           <a:p>
-            <a:pPr marL="457200" indent="-457200">
+            <a:pPr marL="457200" indent="-457200" algn="ctr">
               <a:buClr>
                 <a:schemeClr val="accent5"/>
               </a:buClr>
               <a:buFont typeface="Wingdings" panose="05000000000000000000" pitchFamily="2" charset="2"/>
               <a:buChar char="ü"/>
             </a:pPr>
-            <a:endParaRPr lang="en-US" sz="2400" b="1" dirty="0">
+            <a:r>
+              <a:rPr lang="en-US" sz="2800" dirty="0">
+                <a:solidFill>
+                  <a:srgbClr val="00B050"/>
+                </a:solidFill>
+              </a:rPr>
+              <a:t>project reflect a realistic and challenging problem?</a:t>
+            </a:r>
+            <a:endParaRPr lang="en-US" sz="3200" b="1" dirty="0">
               <a:solidFill>
-                <a:schemeClr val="tx1"/>
+                <a:srgbClr val="00B050"/>
               </a:solidFill>
             </a:endParaRPr>
           </a:p>
@@ -26709,21 +26717,33 @@
           <a:bodyPr/>
           <a:lstStyle/>
           <a:p>
+            <a:pPr>
+              <a:buFont typeface="Wingdings" panose="05000000000000000000" pitchFamily="2" charset="2"/>
+              <a:buChar char="q"/>
+            </a:pPr>
             <a:r>
               <a:rPr lang="en-US" dirty="0"/>
-              <a:t>Project Abstraction</a:t>
+              <a:t> Project Abstraction</a:t>
             </a:r>
           </a:p>
           <a:p>
+            <a:pPr>
+              <a:buFont typeface="Wingdings" panose="05000000000000000000" pitchFamily="2" charset="2"/>
+              <a:buChar char="q"/>
+            </a:pPr>
             <a:r>
               <a:rPr lang="en-US" dirty="0"/>
-              <a:t>System Architecture</a:t>
+              <a:t> System Architecture</a:t>
             </a:r>
           </a:p>
           <a:p>
+            <a:pPr>
+              <a:buFont typeface="Wingdings" panose="05000000000000000000" pitchFamily="2" charset="2"/>
+              <a:buChar char="q"/>
+            </a:pPr>
             <a:r>
               <a:rPr lang="en-US" dirty="0"/>
-              <a:t>Web Client Versus </a:t>
+              <a:t> Web Client Versus </a:t>
             </a:r>
             <a:r>
               <a:rPr lang="en-US" dirty="0" err="1"/>
@@ -26732,27 +26752,43 @@
             <a:endParaRPr lang="en-US" dirty="0"/>
           </a:p>
           <a:p>
+            <a:pPr>
+              <a:buFont typeface="Wingdings" panose="05000000000000000000" pitchFamily="2" charset="2"/>
+              <a:buChar char="q"/>
+            </a:pPr>
             <a:r>
               <a:rPr lang="en-US" dirty="0"/>
-              <a:t>Multi-threading </a:t>
+              <a:t> Multi-threading </a:t>
             </a:r>
           </a:p>
           <a:p>
+            <a:pPr>
+              <a:buFont typeface="Wingdings" panose="05000000000000000000" pitchFamily="2" charset="2"/>
+              <a:buChar char="q"/>
+            </a:pPr>
             <a:r>
               <a:rPr lang="en-US" dirty="0"/>
-              <a:t>Multi-threading issues ( Deadlock )</a:t>
+              <a:t> Multi-threading issues ( Deadlock )</a:t>
             </a:r>
           </a:p>
           <a:p>
+            <a:pPr>
+              <a:buFont typeface="Wingdings" panose="05000000000000000000" pitchFamily="2" charset="2"/>
+              <a:buChar char="q"/>
+            </a:pPr>
             <a:r>
               <a:rPr lang="en-US" dirty="0"/>
-              <a:t>Multi-threading vs Single Thread</a:t>
+              <a:t> Multi-threading vs Single Thread</a:t>
             </a:r>
           </a:p>
           <a:p>
+            <a:pPr>
+              <a:buFont typeface="Wingdings" panose="05000000000000000000" pitchFamily="2" charset="2"/>
+              <a:buChar char="q"/>
+            </a:pPr>
             <a:r>
               <a:rPr lang="en-US" dirty="0"/>
-              <a:t>Creativity &amp; Innovation</a:t>
+              <a:t> Creativity &amp; Innovation</a:t>
             </a:r>
           </a:p>
         </p:txBody>
@@ -36720,6 +36756,92 @@
               <a:buNone/>
             </a:pPr>
             <a:endParaRPr lang="en-US" b="1" dirty="0"/>
+          </a:p>
+        </p:txBody>
+      </p:sp>
+      <p:pic>
+        <p:nvPicPr>
+          <p:cNvPr id="1026" name="Picture 2" descr="Internet Download Manager (IDM) 6.42.22 + Portable">
+            <a:extLst>
+              <a:ext uri="{FF2B5EF4-FFF2-40B4-BE49-F238E27FC236}">
+                <a16:creationId xmlns:a16="http://schemas.microsoft.com/office/drawing/2014/main" id="{F2CDC821-5D96-6EFE-34AD-76FA9746EF32}"/>
+              </a:ext>
+            </a:extLst>
+          </p:cNvPr>
+          <p:cNvPicPr>
+            <a:picLocks noChangeAspect="1" noChangeArrowheads="1"/>
+          </p:cNvPicPr>
+          <p:nvPr/>
+        </p:nvPicPr>
+        <p:blipFill>
+          <a:blip r:embed="rId2">
+            <a:extLst>
+              <a:ext uri="{28A0092B-C50C-407E-A947-70E740481C1C}">
+                <a14:useLocalDpi xmlns:a14="http://schemas.microsoft.com/office/drawing/2010/main" val="0"/>
+              </a:ext>
+            </a:extLst>
+          </a:blip>
+          <a:srcRect/>
+          <a:stretch>
+            <a:fillRect/>
+          </a:stretch>
+        </p:blipFill>
+        <p:spPr bwMode="auto">
+          <a:xfrm>
+            <a:off x="6611751" y="4007432"/>
+            <a:ext cx="4207592" cy="1841990"/>
+          </a:xfrm>
+          <a:prstGeom prst="rect">
+            <a:avLst/>
+          </a:prstGeom>
+          <a:noFill/>
+          <a:extLst>
+            <a:ext uri="{909E8E84-426E-40DD-AFC4-6F175D3DCCD1}">
+              <a14:hiddenFill xmlns:a14="http://schemas.microsoft.com/office/drawing/2010/main">
+                <a:solidFill>
+                  <a:srgbClr val="FFFFFF"/>
+                </a:solidFill>
+              </a14:hiddenFill>
+            </a:ext>
+          </a:extLst>
+        </p:spPr>
+      </p:pic>
+      <p:sp>
+        <p:nvSpPr>
+          <p:cNvPr id="5" name="TextBox 4">
+            <a:extLst>
+              <a:ext uri="{FF2B5EF4-FFF2-40B4-BE49-F238E27FC236}">
+                <a16:creationId xmlns:a16="http://schemas.microsoft.com/office/drawing/2014/main" id="{962AFA95-09D6-2FBF-7BC9-D4BE95808B68}"/>
+              </a:ext>
+            </a:extLst>
+          </p:cNvPr>
+          <p:cNvSpPr txBox="1"/>
+          <p:nvPr/>
+        </p:nvSpPr>
+        <p:spPr>
+          <a:xfrm>
+            <a:off x="4011561" y="4898225"/>
+            <a:ext cx="6096000" cy="369332"/>
+          </a:xfrm>
+          <a:prstGeom prst="rect">
+            <a:avLst/>
+          </a:prstGeom>
+          <a:noFill/>
+        </p:spPr>
+        <p:txBody>
+          <a:bodyPr wrap="square">
+            <a:spAutoFit/>
+          </a:bodyPr>
+          <a:lstStyle/>
+          <a:p>
+            <a:r>
+              <a:rPr lang="en-US" b="1" u="sng" dirty="0">
+                <a:solidFill>
+                  <a:srgbClr val="00B050"/>
+                </a:solidFill>
+              </a:rPr>
+              <a:t>Our Project is modeled after  </a:t>
+            </a:r>
           </a:p>
         </p:txBody>
       </p:sp>
@@ -39084,15 +39206,6 @@
 </file>
 
 <file path=customXml/item1.xml><?xml version="1.0" encoding="utf-8"?>
-<?mso-contentType ?>
-<FormTemplates xmlns="http://schemas.microsoft.com/sharepoint/v3/contenttype/forms">
-  <Display>DocumentLibraryForm</Display>
-  <Edit>DocumentLibraryForm</Edit>
-  <New>DocumentLibraryForm</New>
-</FormTemplates>
-</file>
-
-<file path=customXml/item2.xml><?xml version="1.0" encoding="utf-8"?>
 <ct:contentTypeSchema xmlns:ct="http://schemas.microsoft.com/office/2006/metadata/contentType" xmlns:ma="http://schemas.microsoft.com/office/2006/metadata/properties/metaAttributes" ct:_="" ma:_="" ma:contentTypeName="Document" ma:contentTypeID="0x010100D66CE61517F6E6429177DAAD8CE4D2E4" ma:contentTypeVersion="13" ma:contentTypeDescription="Create a new document." ma:contentTypeScope="" ma:versionID="4f9e86d20808d7a46ccd5c59f39fe081">
   <xsd:schema xmlns:xsd="http://www.w3.org/2001/XMLSchema" xmlns:xs="http://www.w3.org/2001/XMLSchema" xmlns:p="http://schemas.microsoft.com/office/2006/metadata/properties" xmlns:ns3="8a5beeab-e3a1-452e-8777-e7871be3c76c" xmlns:ns4="07e7ee6f-a084-4dbc-bd1d-91c8eb79493f" targetNamespace="http://schemas.microsoft.com/office/2006/metadata/properties" ma:root="true" ma:fieldsID="75641ef9738f0a16f85c8aa415cf3ecf" ns3:_="" ns4:_="">
     <xsd:import namespace="8a5beeab-e3a1-452e-8777-e7871be3c76c"/>
@@ -39313,6 +39426,15 @@
 </ct:contentTypeSchema>
 </file>
 
+<file path=customXml/item2.xml><?xml version="1.0" encoding="utf-8"?>
+<?mso-contentType ?>
+<FormTemplates xmlns="http://schemas.microsoft.com/sharepoint/v3/contenttype/forms">
+  <Display>DocumentLibraryForm</Display>
+  <Edit>DocumentLibraryForm</Edit>
+  <New>DocumentLibraryForm</New>
+</FormTemplates>
+</file>
+
 <file path=customXml/item3.xml><?xml version="1.0" encoding="utf-8"?>
 <p:properties xmlns:p="http://schemas.microsoft.com/office/2006/metadata/properties" xmlns:xsi="http://www.w3.org/2001/XMLSchema-instance" xmlns:pc="http://schemas.microsoft.com/office/infopath/2007/PartnerControls">
   <documentManagement>
@@ -39322,14 +39444,6 @@
 </file>
 
 <file path=customXml/itemProps1.xml><?xml version="1.0" encoding="utf-8"?>
-<ds:datastoreItem xmlns:ds="http://schemas.openxmlformats.org/officeDocument/2006/customXml" ds:itemID="{96A925F9-53B6-4FFD-ADE5-40D135891616}">
-  <ds:schemaRefs>
-    <ds:schemaRef ds:uri="http://schemas.microsoft.com/sharepoint/v3/contenttype/forms"/>
-  </ds:schemaRefs>
-</ds:datastoreItem>
-</file>
-
-<file path=customXml/itemProps2.xml><?xml version="1.0" encoding="utf-8"?>
 <ds:datastoreItem xmlns:ds="http://schemas.openxmlformats.org/officeDocument/2006/customXml" ds:itemID="{555AD81C-C09F-4EB2-8C88-B35DD4CBCDCE}">
   <ds:schemaRefs>
     <ds:schemaRef ds:uri="http://schemas.microsoft.com/office/2006/metadata/contentType"/>
@@ -39344,6 +39458,14 @@
     <ds:schemaRef ds:uri="http://purl.org/dc/elements/1.1/"/>
     <ds:schemaRef ds:uri="http://purl.org/dc/terms/"/>
     <ds:schemaRef ds:uri="http://schemas.microsoft.com/internal/obd"/>
+  </ds:schemaRefs>
+</ds:datastoreItem>
+</file>
+
+<file path=customXml/itemProps2.xml><?xml version="1.0" encoding="utf-8"?>
+<ds:datastoreItem xmlns:ds="http://schemas.openxmlformats.org/officeDocument/2006/customXml" ds:itemID="{96A925F9-53B6-4FFD-ADE5-40D135891616}">
+  <ds:schemaRefs>
+    <ds:schemaRef ds:uri="http://schemas.microsoft.com/sharepoint/v3/contenttype/forms"/>
   </ds:schemaRefs>
 </ds:datastoreItem>
 </file>

--- a/File Downloader.pptx
+++ b/File Downloader.pptx
@@ -333,7 +333,7 @@
           <a:p>
             <a:fld id="{ABD1D835-07F0-41C7-9BE5-49D1B7D27603}" type="datetimeFigureOut">
               <a:rPr lang="en-US" smtClean="0"/>
-              <a:t>12/13/2024</a:t>
+              <a:t>12/14/2024</a:t>
             </a:fld>
             <a:endParaRPr lang="en-US"/>
           </a:p>
@@ -9477,7 +9477,7 @@
           <a:p>
             <a:fld id="{536295AB-763C-444E-97C3-F5F912E2BD8A}" type="datetimeFigureOut">
               <a:rPr lang="en-US" smtClean="0"/>
-              <a:t>12/13/2024</a:t>
+              <a:t>12/14/2024</a:t>
             </a:fld>
             <a:endParaRPr lang="en-US"/>
           </a:p>
@@ -9684,7 +9684,7 @@
           <a:p>
             <a:fld id="{536295AB-763C-444E-97C3-F5F912E2BD8A}" type="datetimeFigureOut">
               <a:rPr lang="en-US" smtClean="0"/>
-              <a:t>12/13/2024</a:t>
+              <a:t>12/14/2024</a:t>
             </a:fld>
             <a:endParaRPr lang="en-US"/>
           </a:p>
@@ -9864,7 +9864,7 @@
           <a:p>
             <a:fld id="{536295AB-763C-444E-97C3-F5F912E2BD8A}" type="datetimeFigureOut">
               <a:rPr lang="en-US" smtClean="0"/>
-              <a:t>12/13/2024</a:t>
+              <a:t>12/14/2024</a:t>
             </a:fld>
             <a:endParaRPr lang="en-US"/>
           </a:p>
@@ -10069,7 +10069,7 @@
           <a:p>
             <a:fld id="{536295AB-763C-444E-97C3-F5F912E2BD8A}" type="datetimeFigureOut">
               <a:rPr lang="en-US" smtClean="0"/>
-              <a:t>12/13/2024</a:t>
+              <a:t>12/14/2024</a:t>
             </a:fld>
             <a:endParaRPr lang="en-US"/>
           </a:p>
@@ -18967,7 +18967,7 @@
           <a:p>
             <a:fld id="{536295AB-763C-444E-97C3-F5F912E2BD8A}" type="datetimeFigureOut">
               <a:rPr lang="en-US" smtClean="0"/>
-              <a:t>12/13/2024</a:t>
+              <a:t>12/14/2024</a:t>
             </a:fld>
             <a:endParaRPr lang="en-US"/>
           </a:p>
@@ -19241,7 +19241,7 @@
           <a:p>
             <a:fld id="{536295AB-763C-444E-97C3-F5F912E2BD8A}" type="datetimeFigureOut">
               <a:rPr lang="en-US" smtClean="0"/>
-              <a:t>12/13/2024</a:t>
+              <a:t>12/14/2024</a:t>
             </a:fld>
             <a:endParaRPr lang="en-US"/>
           </a:p>
@@ -19639,7 +19639,7 @@
           <a:p>
             <a:fld id="{536295AB-763C-444E-97C3-F5F912E2BD8A}" type="datetimeFigureOut">
               <a:rPr lang="en-US" smtClean="0"/>
-              <a:t>12/13/2024</a:t>
+              <a:t>12/14/2024</a:t>
             </a:fld>
             <a:endParaRPr lang="en-US"/>
           </a:p>
@@ -19757,7 +19757,7 @@
           <a:p>
             <a:fld id="{536295AB-763C-444E-97C3-F5F912E2BD8A}" type="datetimeFigureOut">
               <a:rPr lang="en-US" smtClean="0"/>
-              <a:t>12/13/2024</a:t>
+              <a:t>12/14/2024</a:t>
             </a:fld>
             <a:endParaRPr lang="en-US"/>
           </a:p>
@@ -19852,7 +19852,7 @@
           <a:p>
             <a:fld id="{536295AB-763C-444E-97C3-F5F912E2BD8A}" type="datetimeFigureOut">
               <a:rPr lang="en-US" smtClean="0"/>
-              <a:t>12/13/2024</a:t>
+              <a:t>12/14/2024</a:t>
             </a:fld>
             <a:endParaRPr lang="en-US"/>
           </a:p>
@@ -20142,7 +20142,7 @@
           <a:p>
             <a:fld id="{536295AB-763C-444E-97C3-F5F912E2BD8A}" type="datetimeFigureOut">
               <a:rPr lang="en-US" smtClean="0"/>
-              <a:t>12/13/2024</a:t>
+              <a:t>12/14/2024</a:t>
             </a:fld>
             <a:endParaRPr lang="en-US"/>
           </a:p>
@@ -20422,7 +20422,7 @@
           <a:p>
             <a:fld id="{536295AB-763C-444E-97C3-F5F912E2BD8A}" type="datetimeFigureOut">
               <a:rPr lang="en-US" smtClean="0"/>
-              <a:t>12/13/2024</a:t>
+              <a:t>12/14/2024</a:t>
             </a:fld>
             <a:endParaRPr lang="en-US"/>
           </a:p>
@@ -20672,7 +20672,7 @@
           <a:p>
             <a:fld id="{536295AB-763C-444E-97C3-F5F912E2BD8A}" type="datetimeFigureOut">
               <a:rPr lang="en-US" smtClean="0"/>
-              <a:t>12/13/2024</a:t>
+              <a:t>12/14/2024</a:t>
             </a:fld>
             <a:endParaRPr lang="en-US"/>
           </a:p>
@@ -24377,10 +24377,10 @@
       </p:pic>
       <p:pic>
         <p:nvPicPr>
-          <p:cNvPr id="7" name="Picture 6" descr="A white rectangular object with a black border&#10;&#10;Description automatically generated with medium confidence">
+          <p:cNvPr id="10" name="Picture 9">
             <a:extLst>
               <a:ext uri="{FF2B5EF4-FFF2-40B4-BE49-F238E27FC236}">
-                <a16:creationId xmlns:a16="http://schemas.microsoft.com/office/drawing/2014/main" id="{A16F662E-A7EE-3CD7-44B2-54F0F534036B}"/>
+                <a16:creationId xmlns:a16="http://schemas.microsoft.com/office/drawing/2014/main" id="{663C3D1B-80B6-AECC-21F3-920F8C29FA10}"/>
               </a:ext>
             </a:extLst>
           </p:cNvPr>
@@ -24390,21 +24390,15 @@
           <p:nvPr/>
         </p:nvPicPr>
         <p:blipFill>
-          <a:blip r:embed="rId4">
-            <a:extLst>
-              <a:ext uri="{28A0092B-C50C-407E-A947-70E740481C1C}">
-                <a14:useLocalDpi xmlns:a14="http://schemas.microsoft.com/office/drawing/2010/main" val="0"/>
-              </a:ext>
-            </a:extLst>
-          </a:blip>
+          <a:blip r:embed="rId4"/>
           <a:stretch>
             <a:fillRect/>
           </a:stretch>
         </p:blipFill>
         <p:spPr>
           <a:xfrm>
-            <a:off x="684800" y="4337656"/>
-            <a:ext cx="11215635" cy="1796815"/>
+            <a:off x="806245" y="4552335"/>
+            <a:ext cx="10844982" cy="1720449"/>
           </a:xfrm>
           <a:prstGeom prst="rect">
             <a:avLst/>
@@ -24599,7 +24593,7 @@
                                           </p:stCondLst>
                                         </p:cTn>
                                         <p:tgtEl>
-                                          <p:spTgt spid="7"/>
+                                          <p:spTgt spid="10"/>
                                         </p:tgtEl>
                                         <p:attrNameLst>
                                           <p:attrName>style.visibility</p:attrName>
@@ -24613,7 +24607,7 @@
                                       <p:cBhvr>
                                         <p:cTn id="18" dur="500"/>
                                         <p:tgtEl>
-                                          <p:spTgt spid="7"/>
+                                          <p:spTgt spid="10"/>
                                         </p:tgtEl>
                                       </p:cBhvr>
                                     </p:animEffect>
@@ -39206,6 +39200,15 @@
 </file>
 
 <file path=customXml/item1.xml><?xml version="1.0" encoding="utf-8"?>
+<?mso-contentType ?>
+<FormTemplates xmlns="http://schemas.microsoft.com/sharepoint/v3/contenttype/forms">
+  <Display>DocumentLibraryForm</Display>
+  <Edit>DocumentLibraryForm</Edit>
+  <New>DocumentLibraryForm</New>
+</FormTemplates>
+</file>
+
+<file path=customXml/item2.xml><?xml version="1.0" encoding="utf-8"?>
 <ct:contentTypeSchema xmlns:ct="http://schemas.microsoft.com/office/2006/metadata/contentType" xmlns:ma="http://schemas.microsoft.com/office/2006/metadata/properties/metaAttributes" ct:_="" ma:_="" ma:contentTypeName="Document" ma:contentTypeID="0x010100D66CE61517F6E6429177DAAD8CE4D2E4" ma:contentTypeVersion="13" ma:contentTypeDescription="Create a new document." ma:contentTypeScope="" ma:versionID="4f9e86d20808d7a46ccd5c59f39fe081">
   <xsd:schema xmlns:xsd="http://www.w3.org/2001/XMLSchema" xmlns:xs="http://www.w3.org/2001/XMLSchema" xmlns:p="http://schemas.microsoft.com/office/2006/metadata/properties" xmlns:ns3="8a5beeab-e3a1-452e-8777-e7871be3c76c" xmlns:ns4="07e7ee6f-a084-4dbc-bd1d-91c8eb79493f" targetNamespace="http://schemas.microsoft.com/office/2006/metadata/properties" ma:root="true" ma:fieldsID="75641ef9738f0a16f85c8aa415cf3ecf" ns3:_="" ns4:_="">
     <xsd:import namespace="8a5beeab-e3a1-452e-8777-e7871be3c76c"/>
@@ -39426,15 +39429,6 @@
 </ct:contentTypeSchema>
 </file>
 
-<file path=customXml/item2.xml><?xml version="1.0" encoding="utf-8"?>
-<?mso-contentType ?>
-<FormTemplates xmlns="http://schemas.microsoft.com/sharepoint/v3/contenttype/forms">
-  <Display>DocumentLibraryForm</Display>
-  <Edit>DocumentLibraryForm</Edit>
-  <New>DocumentLibraryForm</New>
-</FormTemplates>
-</file>
-
 <file path=customXml/item3.xml><?xml version="1.0" encoding="utf-8"?>
 <p:properties xmlns:p="http://schemas.microsoft.com/office/2006/metadata/properties" xmlns:xsi="http://www.w3.org/2001/XMLSchema-instance" xmlns:pc="http://schemas.microsoft.com/office/infopath/2007/PartnerControls">
   <documentManagement>
@@ -39444,6 +39438,14 @@
 </file>
 
 <file path=customXml/itemProps1.xml><?xml version="1.0" encoding="utf-8"?>
+<ds:datastoreItem xmlns:ds="http://schemas.openxmlformats.org/officeDocument/2006/customXml" ds:itemID="{96A925F9-53B6-4FFD-ADE5-40D135891616}">
+  <ds:schemaRefs>
+    <ds:schemaRef ds:uri="http://schemas.microsoft.com/sharepoint/v3/contenttype/forms"/>
+  </ds:schemaRefs>
+</ds:datastoreItem>
+</file>
+
+<file path=customXml/itemProps2.xml><?xml version="1.0" encoding="utf-8"?>
 <ds:datastoreItem xmlns:ds="http://schemas.openxmlformats.org/officeDocument/2006/customXml" ds:itemID="{555AD81C-C09F-4EB2-8C88-B35DD4CBCDCE}">
   <ds:schemaRefs>
     <ds:schemaRef ds:uri="http://schemas.microsoft.com/office/2006/metadata/contentType"/>
@@ -39458,14 +39460,6 @@
     <ds:schemaRef ds:uri="http://purl.org/dc/elements/1.1/"/>
     <ds:schemaRef ds:uri="http://purl.org/dc/terms/"/>
     <ds:schemaRef ds:uri="http://schemas.microsoft.com/internal/obd"/>
-  </ds:schemaRefs>
-</ds:datastoreItem>
-</file>
-
-<file path=customXml/itemProps2.xml><?xml version="1.0" encoding="utf-8"?>
-<ds:datastoreItem xmlns:ds="http://schemas.openxmlformats.org/officeDocument/2006/customXml" ds:itemID="{96A925F9-53B6-4FFD-ADE5-40D135891616}">
-  <ds:schemaRefs>
-    <ds:schemaRef ds:uri="http://schemas.microsoft.com/sharepoint/v3/contenttype/forms"/>
   </ds:schemaRefs>
 </ds:datastoreItem>
 </file>
